--- a/AR_Digital_Inclusion.pptx
+++ b/AR_Digital_Inclusion.pptx
@@ -1114,6 +1114,13 @@
         </dgm:presLayoutVars>
       </dgm:prSet>
       <dgm:spPr/>
+      <dgm:t>
+        <a:bodyPr/>
+        <a:lstStyle/>
+        <a:p>
+          <a:endParaRPr lang="en-IN"/>
+        </a:p>
+      </dgm:t>
     </dgm:pt>
     <dgm:pt modelId="{26B2241B-9E1E-475E-8A2D-A67C5F4FAE9E}" type="pres">
       <dgm:prSet presAssocID="{130A003F-1BF6-4C6F-B1D2-56B306C7E2C2}" presName="horFlow" presStyleCnt="0"/>
@@ -1122,6 +1129,13 @@
     <dgm:pt modelId="{265C4E00-7F5E-4323-BE30-621BA8F31C34}" type="pres">
       <dgm:prSet presAssocID="{130A003F-1BF6-4C6F-B1D2-56B306C7E2C2}" presName="bigChev" presStyleLbl="node1" presStyleIdx="0" presStyleCnt="3"/>
       <dgm:spPr/>
+      <dgm:t>
+        <a:bodyPr/>
+        <a:lstStyle/>
+        <a:p>
+          <a:endParaRPr lang="en-IN"/>
+        </a:p>
+      </dgm:t>
     </dgm:pt>
     <dgm:pt modelId="{F08933E2-B250-4CD5-BD82-27CBF5C4B8FF}" type="pres">
       <dgm:prSet presAssocID="{9D607C96-06C7-495F-8661-ECE82829B07F}" presName="parTrans" presStyleCnt="0"/>
@@ -1153,6 +1167,13 @@
     <dgm:pt modelId="{CCBF708B-7F99-4E25-953C-960E34F2402A}" type="pres">
       <dgm:prSet presAssocID="{843073B9-381A-47AA-AABE-CC9D9C8106B5}" presName="bigChev" presStyleLbl="node1" presStyleIdx="1" presStyleCnt="3"/>
       <dgm:spPr/>
+      <dgm:t>
+        <a:bodyPr/>
+        <a:lstStyle/>
+        <a:p>
+          <a:endParaRPr lang="en-IN"/>
+        </a:p>
+      </dgm:t>
     </dgm:pt>
     <dgm:pt modelId="{12837891-D1DF-4EDE-B099-7C584425DC13}" type="pres">
       <dgm:prSet presAssocID="{D2043F1A-C259-4B45-9243-D0F1D8E51892}" presName="parTrans" presStyleCnt="0"/>
@@ -1165,6 +1186,13 @@
         </dgm:presLayoutVars>
       </dgm:prSet>
       <dgm:spPr/>
+      <dgm:t>
+        <a:bodyPr/>
+        <a:lstStyle/>
+        <a:p>
+          <a:endParaRPr lang="en-IN"/>
+        </a:p>
+      </dgm:t>
     </dgm:pt>
     <dgm:pt modelId="{02390EFA-EEAF-4C28-885C-51A03E3B9328}" type="pres">
       <dgm:prSet presAssocID="{843073B9-381A-47AA-AABE-CC9D9C8106B5}" presName="vSp" presStyleCnt="0"/>
@@ -1177,6 +1205,13 @@
     <dgm:pt modelId="{1D08C6A0-57B0-4D1D-B9CD-C5E1FDCF2ED4}" type="pres">
       <dgm:prSet presAssocID="{478F9B46-E864-4814-A64B-CC34185EE224}" presName="bigChev" presStyleLbl="node1" presStyleIdx="2" presStyleCnt="3"/>
       <dgm:spPr/>
+      <dgm:t>
+        <a:bodyPr/>
+        <a:lstStyle/>
+        <a:p>
+          <a:endParaRPr lang="en-IN"/>
+        </a:p>
+      </dgm:t>
     </dgm:pt>
     <dgm:pt modelId="{9F199111-C20E-40B4-8A62-70D732BF9786}" type="pres">
       <dgm:prSet presAssocID="{00F73F3E-5279-4DE7-ACD5-E8417D0342CF}" presName="parTrans" presStyleCnt="0"/>
@@ -1189,6 +1224,13 @@
         </dgm:presLayoutVars>
       </dgm:prSet>
       <dgm:spPr/>
+      <dgm:t>
+        <a:bodyPr/>
+        <a:lstStyle/>
+        <a:p>
+          <a:endParaRPr lang="en-IN"/>
+        </a:p>
+      </dgm:t>
     </dgm:pt>
   </dgm:ptLst>
   <dgm:cxnLst>
@@ -2721,6 +2763,7 @@
           <a:p>
             <a:fld id="{3F68FF64-15E0-47A7-8335-A2013406792A}" type="datetimeFigureOut">
               <a:rPr lang="en-US" smtClean="0"/>
+              <a:pPr/>
               <a:t>12/13/2020</a:t>
             </a:fld>
             <a:endParaRPr lang="en-IN"/>
@@ -2763,6 +2806,7 @@
           <a:p>
             <a:fld id="{C01B1479-E8C7-4068-95D5-0BA68E707EE8}" type="slidenum">
               <a:rPr lang="en-IN" smtClean="0"/>
+              <a:pPr/>
               <a:t>‹#›</a:t>
             </a:fld>
             <a:endParaRPr lang="en-IN"/>
@@ -2886,6 +2930,7 @@
           <a:p>
             <a:fld id="{3F68FF64-15E0-47A7-8335-A2013406792A}" type="datetimeFigureOut">
               <a:rPr lang="en-US" smtClean="0"/>
+              <a:pPr/>
               <a:t>12/13/2020</a:t>
             </a:fld>
             <a:endParaRPr lang="en-IN"/>
@@ -2928,6 +2973,7 @@
           <a:p>
             <a:fld id="{C01B1479-E8C7-4068-95D5-0BA68E707EE8}" type="slidenum">
               <a:rPr lang="en-IN" smtClean="0"/>
+              <a:pPr/>
               <a:t>‹#›</a:t>
             </a:fld>
             <a:endParaRPr lang="en-IN"/>
@@ -3061,6 +3107,7 @@
           <a:p>
             <a:fld id="{3F68FF64-15E0-47A7-8335-A2013406792A}" type="datetimeFigureOut">
               <a:rPr lang="en-US" smtClean="0"/>
+              <a:pPr/>
               <a:t>12/13/2020</a:t>
             </a:fld>
             <a:endParaRPr lang="en-IN"/>
@@ -3103,6 +3150,7 @@
           <a:p>
             <a:fld id="{C01B1479-E8C7-4068-95D5-0BA68E707EE8}" type="slidenum">
               <a:rPr lang="en-IN" smtClean="0"/>
+              <a:pPr/>
               <a:t>‹#›</a:t>
             </a:fld>
             <a:endParaRPr lang="en-IN"/>
@@ -3139,7 +3187,7 @@
           <p:cNvPr id="5" name="Rectangle 4">
             <a:extLst>
               <a:ext uri="{FF2B5EF4-FFF2-40B4-BE49-F238E27FC236}">
-                <a16:creationId xmlns:a16="http://schemas.microsoft.com/office/drawing/2014/main" xmlns="" id="{FB38C5F0-DD3F-421F-B67F-B1E6D9834A54}"/>
+                <a16:creationId xmlns="" xmlns:a16="http://schemas.microsoft.com/office/drawing/2014/main" id="{FB38C5F0-DD3F-421F-B67F-B1E6D9834A54}"/>
               </a:ext>
             </a:extLst>
           </p:cNvPr>
@@ -3214,7 +3262,7 @@
           <p:cNvPr id="10" name="Picture Placeholder 9">
             <a:extLst>
               <a:ext uri="{FF2B5EF4-FFF2-40B4-BE49-F238E27FC236}">
-                <a16:creationId xmlns:a16="http://schemas.microsoft.com/office/drawing/2014/main" xmlns="" id="{140927D5-AE1A-4ABD-BD8F-2F78723FF0D6}"/>
+                <a16:creationId xmlns="" xmlns:a16="http://schemas.microsoft.com/office/drawing/2014/main" id="{140927D5-AE1A-4ABD-BD8F-2F78723FF0D6}"/>
               </a:ext>
             </a:extLst>
           </p:cNvPr>
@@ -3264,7 +3312,7 @@
           <p:cNvPr id="9" name="Graphic 2">
             <a:extLst>
               <a:ext uri="{FF2B5EF4-FFF2-40B4-BE49-F238E27FC236}">
-                <a16:creationId xmlns:a16="http://schemas.microsoft.com/office/drawing/2014/main" xmlns="" id="{07258B3B-F27C-4B7D-A23C-8548E3945C82}"/>
+                <a16:creationId xmlns="" xmlns:a16="http://schemas.microsoft.com/office/drawing/2014/main" id="{07258B3B-F27C-4B7D-A23C-8548E3945C82}"/>
               </a:ext>
             </a:extLst>
           </p:cNvPr>
@@ -3474,7 +3522,7 @@
           <p:cNvPr id="11" name="Graphic 1318">
             <a:extLst>
               <a:ext uri="{FF2B5EF4-FFF2-40B4-BE49-F238E27FC236}">
-                <a16:creationId xmlns:a16="http://schemas.microsoft.com/office/drawing/2014/main" xmlns="" id="{1C96E32E-5EED-4364-AD42-000B0644E093}"/>
+                <a16:creationId xmlns="" xmlns:a16="http://schemas.microsoft.com/office/drawing/2014/main" id="{1C96E32E-5EED-4364-AD42-000B0644E093}"/>
               </a:ext>
             </a:extLst>
           </p:cNvPr>
@@ -3605,7 +3653,7 @@
           <p:cNvPr id="2" name="Title 1">
             <a:extLst>
               <a:ext uri="{FF2B5EF4-FFF2-40B4-BE49-F238E27FC236}">
-                <a16:creationId xmlns:a16="http://schemas.microsoft.com/office/drawing/2014/main" xmlns="" id="{8487E03C-DE68-4CE8-A7F1-B9DD28846BC8}"/>
+                <a16:creationId xmlns="" xmlns:a16="http://schemas.microsoft.com/office/drawing/2014/main" id="{8487E03C-DE68-4CE8-A7F1-B9DD28846BC8}"/>
               </a:ext>
             </a:extLst>
           </p:cNvPr>
@@ -3650,7 +3698,7 @@
           <p:cNvPr id="3" name="Subtitle 2">
             <a:extLst>
               <a:ext uri="{FF2B5EF4-FFF2-40B4-BE49-F238E27FC236}">
-                <a16:creationId xmlns:a16="http://schemas.microsoft.com/office/drawing/2014/main" xmlns="" id="{7EEE8855-FE55-4351-B21B-FE33CB8050C1}"/>
+                <a16:creationId xmlns="" xmlns:a16="http://schemas.microsoft.com/office/drawing/2014/main" id="{7EEE8855-FE55-4351-B21B-FE33CB8050C1}"/>
               </a:ext>
             </a:extLst>
           </p:cNvPr>
@@ -3725,7 +3773,7 @@
           <p:cNvPr id="7" name="Rectangle 6">
             <a:extLst>
               <a:ext uri="{FF2B5EF4-FFF2-40B4-BE49-F238E27FC236}">
-                <a16:creationId xmlns:a16="http://schemas.microsoft.com/office/drawing/2014/main" xmlns="" id="{3C922C40-AA75-4865-AF08-92AD59937F32}"/>
+                <a16:creationId xmlns="" xmlns:a16="http://schemas.microsoft.com/office/drawing/2014/main" id="{3C922C40-AA75-4865-AF08-92AD59937F32}"/>
               </a:ext>
             </a:extLst>
           </p:cNvPr>
@@ -3795,7 +3843,7 @@
           <p:cNvPr id="6" name="Rectangle 5">
             <a:extLst>
               <a:ext uri="{FF2B5EF4-FFF2-40B4-BE49-F238E27FC236}">
-                <a16:creationId xmlns:a16="http://schemas.microsoft.com/office/drawing/2014/main" xmlns="" id="{A860F26B-727B-4098-8DA8-CB088D629D58}"/>
+                <a16:creationId xmlns="" xmlns:a16="http://schemas.microsoft.com/office/drawing/2014/main" id="{A860F26B-727B-4098-8DA8-CB088D629D58}"/>
               </a:ext>
             </a:extLst>
           </p:cNvPr>
@@ -3847,7 +3895,7 @@
           <p:cNvPr id="13" name="Oval 12">
             <a:extLst>
               <a:ext uri="{FF2B5EF4-FFF2-40B4-BE49-F238E27FC236}">
-                <a16:creationId xmlns:a16="http://schemas.microsoft.com/office/drawing/2014/main" xmlns="" id="{5E751D76-8783-4005-B4E5-D67E235A5BAD}"/>
+                <a16:creationId xmlns="" xmlns:a16="http://schemas.microsoft.com/office/drawing/2014/main" id="{5E751D76-8783-4005-B4E5-D67E235A5BAD}"/>
               </a:ext>
             </a:extLst>
           </p:cNvPr>
@@ -3920,7 +3968,7 @@
           <p:cNvPr id="14" name="Oval 13">
             <a:extLst>
               <a:ext uri="{FF2B5EF4-FFF2-40B4-BE49-F238E27FC236}">
-                <a16:creationId xmlns:a16="http://schemas.microsoft.com/office/drawing/2014/main" xmlns="" id="{966C7A50-4018-4974-AB47-424E0ECC0F14}"/>
+                <a16:creationId xmlns="" xmlns:a16="http://schemas.microsoft.com/office/drawing/2014/main" id="{966C7A50-4018-4974-AB47-424E0ECC0F14}"/>
               </a:ext>
             </a:extLst>
           </p:cNvPr>
@@ -3986,7 +4034,7 @@
           <p:cNvPr id="15" name="Oval 14">
             <a:extLst>
               <a:ext uri="{FF2B5EF4-FFF2-40B4-BE49-F238E27FC236}">
-                <a16:creationId xmlns:a16="http://schemas.microsoft.com/office/drawing/2014/main" xmlns="" id="{478306B7-6A26-45F7-BD50-EEC8AB3C29B7}"/>
+                <a16:creationId xmlns="" xmlns:a16="http://schemas.microsoft.com/office/drawing/2014/main" id="{478306B7-6A26-45F7-BD50-EEC8AB3C29B7}"/>
               </a:ext>
             </a:extLst>
           </p:cNvPr>
@@ -4050,7 +4098,7 @@
     </p:spTree>
     <p:extLst>
       <p:ext uri="{BB962C8B-B14F-4D97-AF65-F5344CB8AC3E}">
-        <p14:creationId xmlns:p14="http://schemas.microsoft.com/office/powerpoint/2010/main" xmlns="" val="80426409"/>
+        <p14:creationId xmlns="" xmlns:p14="http://schemas.microsoft.com/office/powerpoint/2010/main" val="80426409"/>
       </p:ext>
     </p:extLst>
   </p:cSld>
@@ -4169,6 +4217,7 @@
           <a:p>
             <a:fld id="{3F68FF64-15E0-47A7-8335-A2013406792A}" type="datetimeFigureOut">
               <a:rPr lang="en-US" smtClean="0"/>
+              <a:pPr/>
               <a:t>12/13/2020</a:t>
             </a:fld>
             <a:endParaRPr lang="en-IN"/>
@@ -4211,6 +4260,7 @@
           <a:p>
             <a:fld id="{C01B1479-E8C7-4068-95D5-0BA68E707EE8}" type="slidenum">
               <a:rPr lang="en-IN" smtClean="0"/>
+              <a:pPr/>
               <a:t>‹#›</a:t>
             </a:fld>
             <a:endParaRPr lang="en-IN"/>
@@ -4410,6 +4460,7 @@
           <a:p>
             <a:fld id="{3F68FF64-15E0-47A7-8335-A2013406792A}" type="datetimeFigureOut">
               <a:rPr lang="en-US" smtClean="0"/>
+              <a:pPr/>
               <a:t>12/13/2020</a:t>
             </a:fld>
             <a:endParaRPr lang="en-IN"/>
@@ -4452,6 +4503,7 @@
           <a:p>
             <a:fld id="{C01B1479-E8C7-4068-95D5-0BA68E707EE8}" type="slidenum">
               <a:rPr lang="en-IN" smtClean="0"/>
+              <a:pPr/>
               <a:t>‹#›</a:t>
             </a:fld>
             <a:endParaRPr lang="en-IN"/>
@@ -4693,6 +4745,7 @@
           <a:p>
             <a:fld id="{3F68FF64-15E0-47A7-8335-A2013406792A}" type="datetimeFigureOut">
               <a:rPr lang="en-US" smtClean="0"/>
+              <a:pPr/>
               <a:t>12/13/2020</a:t>
             </a:fld>
             <a:endParaRPr lang="en-IN"/>
@@ -4735,6 +4788,7 @@
           <a:p>
             <a:fld id="{C01B1479-E8C7-4068-95D5-0BA68E707EE8}" type="slidenum">
               <a:rPr lang="en-IN" smtClean="0"/>
+              <a:pPr/>
               <a:t>‹#›</a:t>
             </a:fld>
             <a:endParaRPr lang="en-IN"/>
@@ -5110,6 +5164,7 @@
           <a:p>
             <a:fld id="{3F68FF64-15E0-47A7-8335-A2013406792A}" type="datetimeFigureOut">
               <a:rPr lang="en-US" smtClean="0"/>
+              <a:pPr/>
               <a:t>12/13/2020</a:t>
             </a:fld>
             <a:endParaRPr lang="en-IN"/>
@@ -5152,6 +5207,7 @@
           <a:p>
             <a:fld id="{C01B1479-E8C7-4068-95D5-0BA68E707EE8}" type="slidenum">
               <a:rPr lang="en-IN" smtClean="0"/>
+              <a:pPr/>
               <a:t>‹#›</a:t>
             </a:fld>
             <a:endParaRPr lang="en-IN"/>
@@ -5223,6 +5279,7 @@
           <a:p>
             <a:fld id="{3F68FF64-15E0-47A7-8335-A2013406792A}" type="datetimeFigureOut">
               <a:rPr lang="en-US" smtClean="0"/>
+              <a:pPr/>
               <a:t>12/13/2020</a:t>
             </a:fld>
             <a:endParaRPr lang="en-IN"/>
@@ -5265,6 +5322,7 @@
           <a:p>
             <a:fld id="{C01B1479-E8C7-4068-95D5-0BA68E707EE8}" type="slidenum">
               <a:rPr lang="en-IN" smtClean="0"/>
+              <a:pPr/>
               <a:t>‹#›</a:t>
             </a:fld>
             <a:endParaRPr lang="en-IN"/>
@@ -5313,6 +5371,7 @@
           <a:p>
             <a:fld id="{3F68FF64-15E0-47A7-8335-A2013406792A}" type="datetimeFigureOut">
               <a:rPr lang="en-US" smtClean="0"/>
+              <a:pPr/>
               <a:t>12/13/2020</a:t>
             </a:fld>
             <a:endParaRPr lang="en-IN"/>
@@ -5355,6 +5414,7 @@
           <a:p>
             <a:fld id="{C01B1479-E8C7-4068-95D5-0BA68E707EE8}" type="slidenum">
               <a:rPr lang="en-IN" smtClean="0"/>
+              <a:pPr/>
               <a:t>‹#›</a:t>
             </a:fld>
             <a:endParaRPr lang="en-IN"/>
@@ -5585,6 +5645,7 @@
           <a:p>
             <a:fld id="{3F68FF64-15E0-47A7-8335-A2013406792A}" type="datetimeFigureOut">
               <a:rPr lang="en-US" smtClean="0"/>
+              <a:pPr/>
               <a:t>12/13/2020</a:t>
             </a:fld>
             <a:endParaRPr lang="en-IN"/>
@@ -5627,6 +5688,7 @@
           <a:p>
             <a:fld id="{C01B1479-E8C7-4068-95D5-0BA68E707EE8}" type="slidenum">
               <a:rPr lang="en-IN" smtClean="0"/>
+              <a:pPr/>
               <a:t>‹#›</a:t>
             </a:fld>
             <a:endParaRPr lang="en-IN"/>
@@ -5833,6 +5895,7 @@
           <a:p>
             <a:fld id="{3F68FF64-15E0-47A7-8335-A2013406792A}" type="datetimeFigureOut">
               <a:rPr lang="en-US" smtClean="0"/>
+              <a:pPr/>
               <a:t>12/13/2020</a:t>
             </a:fld>
             <a:endParaRPr lang="en-IN"/>
@@ -5875,6 +5938,7 @@
           <a:p>
             <a:fld id="{C01B1479-E8C7-4068-95D5-0BA68E707EE8}" type="slidenum">
               <a:rPr lang="en-IN" smtClean="0"/>
+              <a:pPr/>
               <a:t>‹#›</a:t>
             </a:fld>
             <a:endParaRPr lang="en-IN"/>
@@ -6041,6 +6105,7 @@
           <a:p>
             <a:fld id="{3F68FF64-15E0-47A7-8335-A2013406792A}" type="datetimeFigureOut">
               <a:rPr lang="en-US" smtClean="0"/>
+              <a:pPr/>
               <a:t>12/13/2020</a:t>
             </a:fld>
             <a:endParaRPr lang="en-IN"/>
@@ -6119,6 +6184,7 @@
           <a:p>
             <a:fld id="{C01B1479-E8C7-4068-95D5-0BA68E707EE8}" type="slidenum">
               <a:rPr lang="en-IN" smtClean="0"/>
+              <a:pPr/>
               <a:t>‹#›</a:t>
             </a:fld>
             <a:endParaRPr lang="en-IN"/>
@@ -6417,7 +6483,7 @@
           <p:cNvPr id="4" name="Title 3">
             <a:extLst>
               <a:ext uri="{FF2B5EF4-FFF2-40B4-BE49-F238E27FC236}">
-                <a16:creationId xmlns:a16="http://schemas.microsoft.com/office/drawing/2014/main" xmlns="" id="{D65A836F-346F-4099-BC7B-0D8F3B27F395}"/>
+                <a16:creationId xmlns="" xmlns:a16="http://schemas.microsoft.com/office/drawing/2014/main" id="{D65A836F-346F-4099-BC7B-0D8F3B27F395}"/>
               </a:ext>
             </a:extLst>
           </p:cNvPr>
@@ -6448,7 +6514,7 @@
           <p:cNvPr id="5" name="Subtitle 4">
             <a:extLst>
               <a:ext uri="{FF2B5EF4-FFF2-40B4-BE49-F238E27FC236}">
-                <a16:creationId xmlns:a16="http://schemas.microsoft.com/office/drawing/2014/main" xmlns="" id="{1FF39718-6251-4A5A-AAC7-767229317836}"/>
+                <a16:creationId xmlns="" xmlns:a16="http://schemas.microsoft.com/office/drawing/2014/main" id="{1FF39718-6251-4A5A-AAC7-767229317836}"/>
               </a:ext>
             </a:extLst>
           </p:cNvPr>
@@ -6513,7 +6579,7 @@
           <p:cNvPr id="11" name="Picture Placeholder 10" descr="Chemical composition model placed on the periodic table">
             <a:extLst>
               <a:ext uri="{FF2B5EF4-FFF2-40B4-BE49-F238E27FC236}">
-                <a16:creationId xmlns:a16="http://schemas.microsoft.com/office/drawing/2014/main" xmlns="" id="{AE2C20E2-EFA3-4244-944C-0AF879ED2A25}"/>
+                <a16:creationId xmlns="" xmlns:a16="http://schemas.microsoft.com/office/drawing/2014/main" id="{AE2C20E2-EFA3-4244-944C-0AF879ED2A25}"/>
               </a:ext>
             </a:extLst>
           </p:cNvPr>
@@ -6528,7 +6594,7 @@
           <a:blip r:embed="rId2" cstate="screen">
             <a:extLst>
               <a:ext uri="{28A0092B-C50C-407E-A947-70E740481C1C}">
-                <a14:useLocalDpi xmlns:a14="http://schemas.microsoft.com/office/drawing/2010/main" xmlns=""/>
+                <a14:useLocalDpi xmlns="" xmlns:a14="http://schemas.microsoft.com/office/drawing/2010/main"/>
               </a:ext>
             </a:extLst>
           </a:blip>
@@ -6545,7 +6611,7 @@
     </p:spTree>
     <p:extLst>
       <p:ext uri="{BB962C8B-B14F-4D97-AF65-F5344CB8AC3E}">
-        <p14:creationId xmlns:p14="http://schemas.microsoft.com/office/powerpoint/2010/main" xmlns="" val="473519245"/>
+        <p14:creationId xmlns="" xmlns:p14="http://schemas.microsoft.com/office/powerpoint/2010/main" val="473519245"/>
       </p:ext>
     </p:extLst>
   </p:cSld>
@@ -6739,7 +6805,7 @@
           <p:cNvPr id="8" name="Content Placeholder 4">
             <a:extLst>
               <a:ext uri="{FF2B5EF4-FFF2-40B4-BE49-F238E27FC236}">
-                <a16:creationId xmlns:a16="http://schemas.microsoft.com/office/drawing/2014/main" xmlns="" id="{CEEB3BAE-C0B2-447C-B8BE-96C6BD84D658}"/>
+                <a16:creationId xmlns="" xmlns:a16="http://schemas.microsoft.com/office/drawing/2014/main" id="{CEEB3BAE-C0B2-447C-B8BE-96C6BD84D658}"/>
               </a:ext>
             </a:extLst>
           </p:cNvPr>
@@ -6812,10 +6878,10 @@
           <p:cNvPr id="12" name="Straight Connector 11">
             <a:extLst>
               <a:ext uri="{FF2B5EF4-FFF2-40B4-BE49-F238E27FC236}">
-                <a16:creationId xmlns:a16="http://schemas.microsoft.com/office/drawing/2014/main" xmlns="" id="{5A563457-1EC8-4978-BCCB-AFD88C9ED04C}"/>
+                <a16:creationId xmlns="" xmlns:a16="http://schemas.microsoft.com/office/drawing/2014/main" id="{5A563457-1EC8-4978-BCCB-AFD88C9ED04C}"/>
               </a:ext>
               <a:ext uri="{C183D7F6-B498-43B3-948B-1728B52AA6E4}">
-                <adec:decorative xmlns:adec="http://schemas.microsoft.com/office/drawing/2017/decorative" xmlns="" val="1"/>
+                <adec:decorative xmlns="" xmlns:adec="http://schemas.microsoft.com/office/drawing/2017/decorative" val="1"/>
               </a:ext>
             </a:extLst>
           </p:cNvPr>
@@ -6858,10 +6924,10 @@
           <p:cNvPr id="13" name="Straight Connector 12">
             <a:extLst>
               <a:ext uri="{FF2B5EF4-FFF2-40B4-BE49-F238E27FC236}">
-                <a16:creationId xmlns:a16="http://schemas.microsoft.com/office/drawing/2014/main" xmlns="" id="{5A563457-1EC8-4978-BCCB-AFD88C9ED04C}"/>
+                <a16:creationId xmlns="" xmlns:a16="http://schemas.microsoft.com/office/drawing/2014/main" id="{5A563457-1EC8-4978-BCCB-AFD88C9ED04C}"/>
               </a:ext>
               <a:ext uri="{C183D7F6-B498-43B3-948B-1728B52AA6E4}">
-                <adec:decorative xmlns:adec="http://schemas.microsoft.com/office/drawing/2017/decorative" xmlns="" val="1"/>
+                <adec:decorative xmlns="" xmlns:adec="http://schemas.microsoft.com/office/drawing/2017/decorative" val="1"/>
               </a:ext>
             </a:extLst>
           </p:cNvPr>
@@ -6971,20 +7037,31 @@
         </p:nvSpPr>
         <p:spPr>
           <a:xfrm>
-            <a:off x="457200" y="857239"/>
+            <a:off x="528638" y="928676"/>
             <a:ext cx="3757610" cy="1071570"/>
           </a:xfrm>
         </p:spPr>
         <p:txBody>
           <a:bodyPr>
-            <a:normAutofit/>
+            <a:normAutofit fontScale="92500" lnSpcReduction="10000"/>
           </a:bodyPr>
           <a:lstStyle/>
           <a:p>
             <a:r>
               <a:rPr lang="en-IN" sz="1600" dirty="0" smtClean="0"/>
-              <a:t>ATMs to become virtual bank branches</a:t>
-            </a:r>
+              <a:t>ATMs to become virtual bank </a:t>
+            </a:r>
+            <a:r>
+              <a:rPr lang="en-IN" sz="1600" dirty="0" smtClean="0"/>
+              <a:t>branches</a:t>
+            </a:r>
+          </a:p>
+          <a:p>
+            <a:r>
+              <a:rPr lang="en-US" sz="1600" dirty="0" smtClean="0"/>
+              <a:t>Contactless -Social Distancing</a:t>
+            </a:r>
+            <a:endParaRPr lang="en-IN" sz="1600" dirty="0" smtClean="0"/>
           </a:p>
           <a:p>
             <a:r>
@@ -7420,10 +7497,10 @@
           <p:cNvPr id="24" name="Straight Connector 23">
             <a:extLst>
               <a:ext uri="{FF2B5EF4-FFF2-40B4-BE49-F238E27FC236}">
-                <a16:creationId xmlns:a16="http://schemas.microsoft.com/office/drawing/2014/main" xmlns="" id="{5A563457-1EC8-4978-BCCB-AFD88C9ED04C}"/>
+                <a16:creationId xmlns="" xmlns:a16="http://schemas.microsoft.com/office/drawing/2014/main" id="{5A563457-1EC8-4978-BCCB-AFD88C9ED04C}"/>
               </a:ext>
               <a:ext uri="{C183D7F6-B498-43B3-948B-1728B52AA6E4}">
-                <adec:decorative xmlns:adec="http://schemas.microsoft.com/office/drawing/2017/decorative" xmlns="" val="1"/>
+                <adec:decorative xmlns="" xmlns:adec="http://schemas.microsoft.com/office/drawing/2017/decorative" val="1"/>
               </a:ext>
             </a:extLst>
           </p:cNvPr>
@@ -7464,10 +7541,10 @@
           <p:cNvPr id="28" name="Straight Connector 27">
             <a:extLst>
               <a:ext uri="{FF2B5EF4-FFF2-40B4-BE49-F238E27FC236}">
-                <a16:creationId xmlns:a16="http://schemas.microsoft.com/office/drawing/2014/main" xmlns="" id="{5A563457-1EC8-4978-BCCB-AFD88C9ED04C}"/>
+                <a16:creationId xmlns="" xmlns:a16="http://schemas.microsoft.com/office/drawing/2014/main" id="{5A563457-1EC8-4978-BCCB-AFD88C9ED04C}"/>
               </a:ext>
               <a:ext uri="{C183D7F6-B498-43B3-948B-1728B52AA6E4}">
-                <adec:decorative xmlns:adec="http://schemas.microsoft.com/office/drawing/2017/decorative" xmlns="" val="1"/>
+                <adec:decorative xmlns="" xmlns:adec="http://schemas.microsoft.com/office/drawing/2017/decorative" val="1"/>
               </a:ext>
             </a:extLst>
           </p:cNvPr>
